--- a/imagenes/auxiliar.pptx
+++ b/imagenes/auxiliar.pptx
@@ -7,7 +7,8 @@
   <p:sldIdLst>
     <p:sldId id="256" r:id="rId2"/>
     <p:sldId id="257" r:id="rId3"/>
-    <p:sldId id="258" r:id="rId4"/>
+    <p:sldId id="259" r:id="rId4"/>
+    <p:sldId id="258" r:id="rId5"/>
   </p:sldIdLst>
   <p:sldSz cx="12192000" cy="6858000"/>
   <p:notesSz cx="6858000" cy="9144000"/>
@@ -256,7 +257,7 @@
           <a:p>
             <a:fld id="{29678B5A-351E-4098-8F04-5692B504D35C}" type="datetimeFigureOut">
               <a:rPr lang="en-AU" smtClean="0"/>
-              <a:t>28/11/2018</a:t>
+              <a:t>14/12/2018</a:t>
             </a:fld>
             <a:endParaRPr lang="en-AU"/>
           </a:p>
@@ -426,7 +427,7 @@
           <a:p>
             <a:fld id="{29678B5A-351E-4098-8F04-5692B504D35C}" type="datetimeFigureOut">
               <a:rPr lang="en-AU" smtClean="0"/>
-              <a:t>28/11/2018</a:t>
+              <a:t>14/12/2018</a:t>
             </a:fld>
             <a:endParaRPr lang="en-AU"/>
           </a:p>
@@ -606,7 +607,7 @@
           <a:p>
             <a:fld id="{29678B5A-351E-4098-8F04-5692B504D35C}" type="datetimeFigureOut">
               <a:rPr lang="en-AU" smtClean="0"/>
-              <a:t>28/11/2018</a:t>
+              <a:t>14/12/2018</a:t>
             </a:fld>
             <a:endParaRPr lang="en-AU"/>
           </a:p>
@@ -776,7 +777,7 @@
           <a:p>
             <a:fld id="{29678B5A-351E-4098-8F04-5692B504D35C}" type="datetimeFigureOut">
               <a:rPr lang="en-AU" smtClean="0"/>
-              <a:t>28/11/2018</a:t>
+              <a:t>14/12/2018</a:t>
             </a:fld>
             <a:endParaRPr lang="en-AU"/>
           </a:p>
@@ -1022,7 +1023,7 @@
           <a:p>
             <a:fld id="{29678B5A-351E-4098-8F04-5692B504D35C}" type="datetimeFigureOut">
               <a:rPr lang="en-AU" smtClean="0"/>
-              <a:t>28/11/2018</a:t>
+              <a:t>14/12/2018</a:t>
             </a:fld>
             <a:endParaRPr lang="en-AU"/>
           </a:p>
@@ -1254,7 +1255,7 @@
           <a:p>
             <a:fld id="{29678B5A-351E-4098-8F04-5692B504D35C}" type="datetimeFigureOut">
               <a:rPr lang="en-AU" smtClean="0"/>
-              <a:t>28/11/2018</a:t>
+              <a:t>14/12/2018</a:t>
             </a:fld>
             <a:endParaRPr lang="en-AU"/>
           </a:p>
@@ -1621,7 +1622,7 @@
           <a:p>
             <a:fld id="{29678B5A-351E-4098-8F04-5692B504D35C}" type="datetimeFigureOut">
               <a:rPr lang="en-AU" smtClean="0"/>
-              <a:t>28/11/2018</a:t>
+              <a:t>14/12/2018</a:t>
             </a:fld>
             <a:endParaRPr lang="en-AU"/>
           </a:p>
@@ -1739,7 +1740,7 @@
           <a:p>
             <a:fld id="{29678B5A-351E-4098-8F04-5692B504D35C}" type="datetimeFigureOut">
               <a:rPr lang="en-AU" smtClean="0"/>
-              <a:t>28/11/2018</a:t>
+              <a:t>14/12/2018</a:t>
             </a:fld>
             <a:endParaRPr lang="en-AU"/>
           </a:p>
@@ -1834,7 +1835,7 @@
           <a:p>
             <a:fld id="{29678B5A-351E-4098-8F04-5692B504D35C}" type="datetimeFigureOut">
               <a:rPr lang="en-AU" smtClean="0"/>
-              <a:t>28/11/2018</a:t>
+              <a:t>14/12/2018</a:t>
             </a:fld>
             <a:endParaRPr lang="en-AU"/>
           </a:p>
@@ -2111,7 +2112,7 @@
           <a:p>
             <a:fld id="{29678B5A-351E-4098-8F04-5692B504D35C}" type="datetimeFigureOut">
               <a:rPr lang="en-AU" smtClean="0"/>
-              <a:t>28/11/2018</a:t>
+              <a:t>14/12/2018</a:t>
             </a:fld>
             <a:endParaRPr lang="en-AU"/>
           </a:p>
@@ -2364,7 +2365,7 @@
           <a:p>
             <a:fld id="{29678B5A-351E-4098-8F04-5692B504D35C}" type="datetimeFigureOut">
               <a:rPr lang="en-AU" smtClean="0"/>
-              <a:t>28/11/2018</a:t>
+              <a:t>14/12/2018</a:t>
             </a:fld>
             <a:endParaRPr lang="en-AU"/>
           </a:p>
@@ -2577,7 +2578,7 @@
           <a:p>
             <a:fld id="{29678B5A-351E-4098-8F04-5692B504D35C}" type="datetimeFigureOut">
               <a:rPr lang="en-AU" smtClean="0"/>
-              <a:t>28/11/2018</a:t>
+              <a:t>14/12/2018</a:t>
             </a:fld>
             <a:endParaRPr lang="en-AU"/>
           </a:p>
@@ -3234,10 +3235,197 @@
   <p:clrMapOvr>
     <a:masterClrMapping/>
   </p:clrMapOvr>
+  <p:timing>
+    <p:tnLst>
+      <p:par>
+        <p:cTn id="1" dur="indefinite" restart="never" nodeType="tmRoot"/>
+      </p:par>
+    </p:tnLst>
+  </p:timing>
 </p:sld>
 </file>
 
 <file path=ppt/slides/slide3.xml><?xml version="1.0" encoding="utf-8"?>
+<p:sld xmlns:a="http://schemas.openxmlformats.org/drawingml/2006/main" xmlns:r="http://schemas.openxmlformats.org/officeDocument/2006/relationships" xmlns:p="http://schemas.openxmlformats.org/presentationml/2006/main">
+  <p:cSld>
+    <p:spTree>
+      <p:nvGrpSpPr>
+        <p:cNvPr id="1" name=""/>
+        <p:cNvGrpSpPr/>
+        <p:nvPr/>
+      </p:nvGrpSpPr>
+      <p:grpSpPr>
+        <a:xfrm>
+          <a:off x="0" y="0"/>
+          <a:ext cx="0" cy="0"/>
+          <a:chOff x="0" y="0"/>
+          <a:chExt cx="0" cy="0"/>
+        </a:xfrm>
+      </p:grpSpPr>
+      <p:pic>
+        <p:nvPicPr>
+          <p:cNvPr id="4" name="Imagen 3"/>
+          <p:cNvPicPr>
+            <a:picLocks noChangeAspect="1"/>
+          </p:cNvPicPr>
+          <p:nvPr/>
+        </p:nvPicPr>
+        <p:blipFill>
+          <a:blip r:embed="rId2">
+            <a:extLst>
+              <a:ext uri="{28A0092B-C50C-407E-A947-70E740481C1C}">
+                <a14:useLocalDpi xmlns:a14="http://schemas.microsoft.com/office/drawing/2010/main" val="0"/>
+              </a:ext>
+            </a:extLst>
+          </a:blip>
+          <a:stretch>
+            <a:fillRect/>
+          </a:stretch>
+        </p:blipFill>
+        <p:spPr>
+          <a:xfrm>
+            <a:off x="1" y="0"/>
+            <a:ext cx="12203154" cy="5229923"/>
+          </a:xfrm>
+          <a:prstGeom prst="rect">
+            <a:avLst/>
+          </a:prstGeom>
+        </p:spPr>
+      </p:pic>
+      <p:sp>
+        <p:nvSpPr>
+          <p:cNvPr id="5" name="CuadroTexto 4"/>
+          <p:cNvSpPr txBox="1"/>
+          <p:nvPr/>
+        </p:nvSpPr>
+        <p:spPr>
+          <a:xfrm>
+            <a:off x="6387" y="11155"/>
+            <a:ext cx="7189789" cy="1569660"/>
+          </a:xfrm>
+          <a:prstGeom prst="rect">
+            <a:avLst/>
+          </a:prstGeom>
+          <a:noFill/>
+        </p:spPr>
+        <p:txBody>
+          <a:bodyPr wrap="none" rtlCol="0">
+            <a:spAutoFit/>
+          </a:bodyPr>
+          <a:lstStyle/>
+          <a:p>
+            <a:pPr algn="ctr"/>
+            <a:r>
+              <a:rPr lang="es-CO" sz="4800" dirty="0" err="1" smtClean="0">
+                <a:solidFill>
+                  <a:schemeClr val="bg1"/>
+                </a:solidFill>
+                <a:latin typeface="Courier New" panose="02070309020205020404" pitchFamily="49" charset="0"/>
+                <a:cs typeface="Courier New" panose="02070309020205020404" pitchFamily="49" charset="0"/>
+              </a:rPr>
+              <a:t>Rday</a:t>
+            </a:r>
+            <a:r>
+              <a:rPr lang="es-CO" sz="4800" dirty="0" smtClean="0">
+                <a:solidFill>
+                  <a:schemeClr val="bg1"/>
+                </a:solidFill>
+                <a:latin typeface="Courier New" panose="02070309020205020404" pitchFamily="49" charset="0"/>
+                <a:cs typeface="Courier New" panose="02070309020205020404" pitchFamily="49" charset="0"/>
+              </a:rPr>
+              <a:t> Medellín</a:t>
+            </a:r>
+          </a:p>
+          <a:p>
+            <a:pPr algn="ctr"/>
+            <a:r>
+              <a:rPr lang="es-CO" sz="4800" dirty="0" smtClean="0">
+                <a:solidFill>
+                  <a:schemeClr val="bg1"/>
+                </a:solidFill>
+                <a:latin typeface="Courier New" panose="02070309020205020404" pitchFamily="49" charset="0"/>
+                <a:cs typeface="Courier New" panose="02070309020205020404" pitchFamily="49" charset="0"/>
+              </a:rPr>
+              <a:t>Noviembre </a:t>
+            </a:r>
+            <a:r>
+              <a:rPr lang="es-CO" sz="4800" dirty="0" smtClean="0">
+                <a:solidFill>
+                  <a:schemeClr val="bg1"/>
+                </a:solidFill>
+                <a:latin typeface="Courier New" panose="02070309020205020404" pitchFamily="49" charset="0"/>
+                <a:cs typeface="Courier New" panose="02070309020205020404" pitchFamily="49" charset="0"/>
+              </a:rPr>
+              <a:t>8 de 2019</a:t>
+            </a:r>
+            <a:endParaRPr lang="en-AU" sz="4800" dirty="0">
+              <a:solidFill>
+                <a:schemeClr val="bg1"/>
+              </a:solidFill>
+              <a:latin typeface="Courier New" panose="02070309020205020404" pitchFamily="49" charset="0"/>
+              <a:cs typeface="Courier New" panose="02070309020205020404" pitchFamily="49" charset="0"/>
+            </a:endParaRPr>
+          </a:p>
+        </p:txBody>
+      </p:sp>
+      <p:sp>
+        <p:nvSpPr>
+          <p:cNvPr id="6" name="Rectángulo 5"/>
+          <p:cNvSpPr/>
+          <p:nvPr/>
+        </p:nvSpPr>
+        <p:spPr>
+          <a:xfrm>
+            <a:off x="7355241" y="440036"/>
+            <a:ext cx="4688848" cy="523220"/>
+          </a:xfrm>
+          <a:prstGeom prst="rect">
+            <a:avLst/>
+          </a:prstGeom>
+        </p:spPr>
+        <p:txBody>
+          <a:bodyPr wrap="none">
+            <a:spAutoFit/>
+          </a:bodyPr>
+          <a:lstStyle/>
+          <a:p>
+            <a:r>
+              <a:rPr lang="en-AU" sz="2800" dirty="0" smtClean="0">
+                <a:solidFill>
+                  <a:schemeClr val="bg1"/>
+                </a:solidFill>
+              </a:rPr>
+              <a:t>https://rdaymedellin.github.io</a:t>
+            </a:r>
+            <a:endParaRPr lang="en-AU" sz="2800" dirty="0">
+              <a:solidFill>
+                <a:schemeClr val="bg1"/>
+              </a:solidFill>
+            </a:endParaRPr>
+          </a:p>
+        </p:txBody>
+      </p:sp>
+    </p:spTree>
+    <p:extLst>
+      <p:ext uri="{BB962C8B-B14F-4D97-AF65-F5344CB8AC3E}">
+        <p14:creationId xmlns:p14="http://schemas.microsoft.com/office/powerpoint/2010/main" val="2699235542"/>
+      </p:ext>
+    </p:extLst>
+  </p:cSld>
+  <p:clrMapOvr>
+    <a:masterClrMapping/>
+  </p:clrMapOvr>
+  <p:timing>
+    <p:tnLst>
+      <p:par>
+        <p:cTn id="1" dur="indefinite" restart="never" nodeType="tmRoot"/>
+      </p:par>
+    </p:tnLst>
+  </p:timing>
+</p:sld>
+</file>
+
+<file path=ppt/slides/slide4.xml><?xml version="1.0" encoding="utf-8"?>
 <p:sld xmlns:a="http://schemas.openxmlformats.org/drawingml/2006/main" xmlns:r="http://schemas.openxmlformats.org/officeDocument/2006/relationships" xmlns:p="http://schemas.openxmlformats.org/presentationml/2006/main">
   <p:cSld>
     <p:spTree>
@@ -3335,6 +3523,13 @@
   <p:clrMapOvr>
     <a:masterClrMapping/>
   </p:clrMapOvr>
+  <p:timing>
+    <p:tnLst>
+      <p:par>
+        <p:cTn id="1" dur="indefinite" restart="never" nodeType="tmRoot"/>
+      </p:par>
+    </p:tnLst>
+  </p:timing>
 </p:sld>
 </file>
 
